--- a/毕业相关/毕业论文/答辩/毕业答辩【红色】v2.pptx
+++ b/毕业相关/毕业论文/答辩/毕业答辩【红色】v2.pptx
@@ -7092,7 +7092,7 @@
           <a:p>
             <a:fld id="{6E1C51D7-0F3A-4BBF-A84E-33DA06BEF481}" type="datetimeFigureOut">
               <a:rPr lang="zh-CN" altLang="en-US" smtClean="0"/>
-              <a:t>2017/12/13</a:t>
+              <a:t>2017/12/15</a:t>
             </a:fld>
             <a:endParaRPr lang="zh-CN" altLang="en-US"/>
           </a:p>
@@ -8927,7 +8927,7 @@
             <a:fld id="{76EF31D4-1AA4-45E7-8F10-C007A9A6DDB0}" type="datetimeFigureOut">
               <a:rPr lang="zh-HK" altLang="en-US" smtClean="0"/>
               <a:pPr/>
-              <a:t>13/12/2017</a:t>
+              <a:t>15/12/2017</a:t>
             </a:fld>
             <a:endParaRPr lang="zh-HK" altLang="en-US"/>
           </a:p>
@@ -9099,7 +9099,7 @@
             <a:fld id="{76EF31D4-1AA4-45E7-8F10-C007A9A6DDB0}" type="datetimeFigureOut">
               <a:rPr lang="zh-HK" altLang="en-US" smtClean="0"/>
               <a:pPr/>
-              <a:t>13/12/2017</a:t>
+              <a:t>15/12/2017</a:t>
             </a:fld>
             <a:endParaRPr lang="zh-HK" altLang="en-US"/>
           </a:p>
@@ -9281,7 +9281,7 @@
             <a:fld id="{76EF31D4-1AA4-45E7-8F10-C007A9A6DDB0}" type="datetimeFigureOut">
               <a:rPr lang="zh-HK" altLang="en-US" smtClean="0"/>
               <a:pPr/>
-              <a:t>13/12/2017</a:t>
+              <a:t>15/12/2017</a:t>
             </a:fld>
             <a:endParaRPr lang="zh-HK" altLang="en-US"/>
           </a:p>
@@ -9481,7 +9481,7 @@
                 </a:solidFill>
               </a:rPr>
               <a:pPr/>
-              <a:t>13/12/2017</a:t>
+              <a:t>15/12/2017</a:t>
             </a:fld>
             <a:endParaRPr lang="zh-HK" altLang="en-US">
               <a:solidFill>
@@ -9693,7 +9693,7 @@
                 </a:solidFill>
               </a:rPr>
               <a:pPr/>
-              <a:t>13/12/2017</a:t>
+              <a:t>15/12/2017</a:t>
             </a:fld>
             <a:endParaRPr lang="zh-HK" altLang="en-US">
               <a:solidFill>
@@ -9979,7 +9979,7 @@
                 </a:solidFill>
               </a:rPr>
               <a:pPr/>
-              <a:t>13/12/2017</a:t>
+              <a:t>15/12/2017</a:t>
             </a:fld>
             <a:endParaRPr lang="zh-HK" altLang="en-US">
               <a:solidFill>
@@ -10253,7 +10253,7 @@
                 </a:solidFill>
               </a:rPr>
               <a:pPr/>
-              <a:t>13/12/2017</a:t>
+              <a:t>15/12/2017</a:t>
             </a:fld>
             <a:endParaRPr lang="zh-HK" altLang="en-US">
               <a:solidFill>
@@ -10662,7 +10662,7 @@
                 </a:solidFill>
               </a:rPr>
               <a:pPr/>
-              <a:t>13/12/2017</a:t>
+              <a:t>15/12/2017</a:t>
             </a:fld>
             <a:endParaRPr lang="zh-HK" altLang="en-US">
               <a:solidFill>
@@ -10822,7 +10822,7 @@
                 </a:solidFill>
               </a:rPr>
               <a:pPr/>
-              <a:t>13/12/2017</a:t>
+              <a:t>15/12/2017</a:t>
             </a:fld>
             <a:endParaRPr lang="zh-HK" altLang="en-US">
               <a:solidFill>
@@ -10959,7 +10959,7 @@
                 </a:solidFill>
               </a:rPr>
               <a:pPr/>
-              <a:t>13/12/2017</a:t>
+              <a:t>15/12/2017</a:t>
             </a:fld>
             <a:endParaRPr lang="zh-HK" altLang="en-US">
               <a:solidFill>
@@ -11278,7 +11278,7 @@
                 </a:solidFill>
               </a:rPr>
               <a:pPr/>
-              <a:t>13/12/2017</a:t>
+              <a:t>15/12/2017</a:t>
             </a:fld>
             <a:endParaRPr lang="zh-HK" altLang="en-US">
               <a:solidFill>
@@ -11484,7 +11484,7 @@
             <a:fld id="{76EF31D4-1AA4-45E7-8F10-C007A9A6DDB0}" type="datetimeFigureOut">
               <a:rPr lang="zh-HK" altLang="en-US" smtClean="0"/>
               <a:pPr/>
-              <a:t>13/12/2017</a:t>
+              <a:t>15/12/2017</a:t>
             </a:fld>
             <a:endParaRPr lang="zh-HK" altLang="en-US"/>
           </a:p>
@@ -11749,7 +11749,7 @@
                 </a:solidFill>
               </a:rPr>
               <a:pPr/>
-              <a:t>13/12/2017</a:t>
+              <a:t>15/12/2017</a:t>
             </a:fld>
             <a:endParaRPr lang="zh-HK" altLang="en-US">
               <a:solidFill>
@@ -11961,7 +11961,7 @@
                 </a:solidFill>
               </a:rPr>
               <a:pPr/>
-              <a:t>13/12/2017</a:t>
+              <a:t>15/12/2017</a:t>
             </a:fld>
             <a:endParaRPr lang="zh-HK" altLang="en-US">
               <a:solidFill>
@@ -12183,7 +12183,7 @@
                 </a:solidFill>
               </a:rPr>
               <a:pPr/>
-              <a:t>13/12/2017</a:t>
+              <a:t>15/12/2017</a:t>
             </a:fld>
             <a:endParaRPr lang="zh-HK" altLang="en-US">
               <a:solidFill>
@@ -12463,7 +12463,7 @@
             <a:fld id="{76EF31D4-1AA4-45E7-8F10-C007A9A6DDB0}" type="datetimeFigureOut">
               <a:rPr lang="zh-HK" altLang="en-US" smtClean="0"/>
               <a:pPr/>
-              <a:t>13/12/2017</a:t>
+              <a:t>15/12/2017</a:t>
             </a:fld>
             <a:endParaRPr lang="zh-HK" altLang="en-US"/>
           </a:p>
@@ -12697,7 +12697,7 @@
             <a:fld id="{76EF31D4-1AA4-45E7-8F10-C007A9A6DDB0}" type="datetimeFigureOut">
               <a:rPr lang="zh-HK" altLang="en-US" smtClean="0"/>
               <a:pPr/>
-              <a:t>13/12/2017</a:t>
+              <a:t>15/12/2017</a:t>
             </a:fld>
             <a:endParaRPr lang="zh-HK" altLang="en-US"/>
           </a:p>
@@ -13066,7 +13066,7 @@
             <a:fld id="{76EF31D4-1AA4-45E7-8F10-C007A9A6DDB0}" type="datetimeFigureOut">
               <a:rPr lang="zh-HK" altLang="en-US" smtClean="0"/>
               <a:pPr/>
-              <a:t>13/12/2017</a:t>
+              <a:t>15/12/2017</a:t>
             </a:fld>
             <a:endParaRPr lang="zh-HK" altLang="en-US"/>
           </a:p>
@@ -13186,7 +13186,7 @@
             <a:fld id="{76EF31D4-1AA4-45E7-8F10-C007A9A6DDB0}" type="datetimeFigureOut">
               <a:rPr lang="zh-HK" altLang="en-US" smtClean="0"/>
               <a:pPr/>
-              <a:t>13/12/2017</a:t>
+              <a:t>15/12/2017</a:t>
             </a:fld>
             <a:endParaRPr lang="zh-HK" altLang="en-US"/>
           </a:p>
@@ -13283,7 +13283,7 @@
             <a:fld id="{76EF31D4-1AA4-45E7-8F10-C007A9A6DDB0}" type="datetimeFigureOut">
               <a:rPr lang="zh-HK" altLang="en-US" smtClean="0"/>
               <a:pPr/>
-              <a:t>13/12/2017</a:t>
+              <a:t>15/12/2017</a:t>
             </a:fld>
             <a:endParaRPr lang="zh-HK" altLang="en-US"/>
           </a:p>
@@ -13562,7 +13562,7 @@
             <a:fld id="{76EF31D4-1AA4-45E7-8F10-C007A9A6DDB0}" type="datetimeFigureOut">
               <a:rPr lang="zh-HK" altLang="en-US" smtClean="0"/>
               <a:pPr/>
-              <a:t>13/12/2017</a:t>
+              <a:t>15/12/2017</a:t>
             </a:fld>
             <a:endParaRPr lang="zh-HK" altLang="en-US"/>
           </a:p>
@@ -13821,7 +13821,7 @@
             <a:fld id="{76EF31D4-1AA4-45E7-8F10-C007A9A6DDB0}" type="datetimeFigureOut">
               <a:rPr lang="zh-HK" altLang="en-US" smtClean="0"/>
               <a:pPr/>
-              <a:t>13/12/2017</a:t>
+              <a:t>15/12/2017</a:t>
             </a:fld>
             <a:endParaRPr lang="zh-HK" altLang="en-US"/>
           </a:p>
@@ -14043,7 +14043,7 @@
             <a:fld id="{76EF31D4-1AA4-45E7-8F10-C007A9A6DDB0}" type="datetimeFigureOut">
               <a:rPr lang="zh-HK" altLang="en-US" smtClean="0"/>
               <a:pPr/>
-              <a:t>13/12/2017</a:t>
+              <a:t>15/12/2017</a:t>
             </a:fld>
             <a:endParaRPr lang="zh-HK" altLang="en-US"/>
           </a:p>
@@ -14598,7 +14598,7 @@
                 </a:solidFill>
               </a:rPr>
               <a:pPr/>
-              <a:t>13/12/2017</a:t>
+              <a:t>15/12/2017</a:t>
             </a:fld>
             <a:endParaRPr lang="zh-HK" altLang="en-US">
               <a:solidFill>
@@ -16182,7 +16182,7 @@
           <a:graphicData uri="http://schemas.openxmlformats.org/presentationml/2006/ole">
             <mc:AlternateContent xmlns:mc="http://schemas.openxmlformats.org/markup-compatibility/2006">
               <mc:Choice xmlns:v="urn:schemas-microsoft-com:vml" Requires="v">
-                <p:oleObj spid="_x0000_s2198" name="Formula" r:id="rId4" imgW="1262380" imgH="361950" progId="Equation.Ribbit">
+                <p:oleObj spid="_x0000_s2210" name="Formula" r:id="rId4" imgW="1262380" imgH="361950" progId="Equation.Ribbit">
                   <p:embed/>
                 </p:oleObj>
               </mc:Choice>
@@ -16313,7 +16313,7 @@
           <a:graphicData uri="http://schemas.openxmlformats.org/presentationml/2006/ole">
             <mc:AlternateContent xmlns:mc="http://schemas.openxmlformats.org/markup-compatibility/2006">
               <mc:Choice xmlns:v="urn:schemas-microsoft-com:vml" Requires="v">
-                <p:oleObj spid="_x0000_s2199" name="Formula" r:id="rId6" imgW="3218180" imgH="718820" progId="Equation.Ribbit">
+                <p:oleObj spid="_x0000_s2211" name="Formula" r:id="rId6" imgW="3218180" imgH="718820" progId="Equation.Ribbit">
                   <p:embed/>
                 </p:oleObj>
               </mc:Choice>
@@ -16380,7 +16380,7 @@
           <a:graphicData uri="http://schemas.openxmlformats.org/presentationml/2006/ole">
             <mc:AlternateContent xmlns:mc="http://schemas.openxmlformats.org/markup-compatibility/2006">
               <mc:Choice xmlns:v="urn:schemas-microsoft-com:vml" Requires="v">
-                <p:oleObj spid="_x0000_s2200" name="Formula" r:id="rId8" imgW="269280" imgH="365760" progId="Equation.Ribbit">
+                <p:oleObj spid="_x0000_s2212" name="Formula" r:id="rId8" imgW="269280" imgH="365760" progId="Equation.Ribbit">
                   <p:embed/>
                 </p:oleObj>
               </mc:Choice>
@@ -16441,7 +16441,7 @@
           <a:graphicData uri="http://schemas.openxmlformats.org/presentationml/2006/ole">
             <mc:AlternateContent xmlns:mc="http://schemas.openxmlformats.org/markup-compatibility/2006">
               <mc:Choice xmlns:v="urn:schemas-microsoft-com:vml" Requires="v">
-                <p:oleObj spid="_x0000_s2201" name="Formula" r:id="rId10" imgW="230040" imgH="365760" progId="Equation.Ribbit">
+                <p:oleObj spid="_x0000_s2213" name="Formula" r:id="rId10" imgW="230040" imgH="365760" progId="Equation.Ribbit">
                   <p:embed/>
                 </p:oleObj>
               </mc:Choice>
@@ -16696,7 +16696,7 @@
           <a:graphicData uri="http://schemas.openxmlformats.org/presentationml/2006/ole">
             <mc:AlternateContent xmlns:mc="http://schemas.openxmlformats.org/markup-compatibility/2006">
               <mc:Choice xmlns:v="urn:schemas-microsoft-com:vml" Requires="v">
-                <p:oleObj spid="_x0000_s2202" name="Formula" r:id="rId12" imgW="164160" imgH="155160" progId="Equation.Ribbit">
+                <p:oleObj spid="_x0000_s2214" name="Formula" r:id="rId12" imgW="164160" imgH="155160" progId="Equation.Ribbit">
                   <p:embed/>
                 </p:oleObj>
               </mc:Choice>
@@ -16757,7 +16757,7 @@
           <a:graphicData uri="http://schemas.openxmlformats.org/presentationml/2006/ole">
             <mc:AlternateContent xmlns:mc="http://schemas.openxmlformats.org/markup-compatibility/2006">
               <mc:Choice xmlns:v="urn:schemas-microsoft-com:vml" Requires="v">
-                <p:oleObj spid="_x0000_s2203" name="Formula" r:id="rId14" imgW="124560" imgH="155160" progId="Equation.Ribbit">
+                <p:oleObj spid="_x0000_s2215" name="Formula" r:id="rId14" imgW="124560" imgH="155160" progId="Equation.Ribbit">
                   <p:embed/>
                 </p:oleObj>
               </mc:Choice>
@@ -18077,7 +18077,7 @@
           <a:graphicData uri="http://schemas.openxmlformats.org/presentationml/2006/ole">
             <mc:AlternateContent xmlns:mc="http://schemas.openxmlformats.org/markup-compatibility/2006">
               <mc:Choice xmlns:v="urn:schemas-microsoft-com:vml" Requires="v">
-                <p:oleObj spid="_x0000_s4118" name="Formula" r:id="rId4" imgW="1262380" imgH="361950" progId="Equation.Ribbit">
+                <p:oleObj spid="_x0000_s4120" name="Formula" r:id="rId4" imgW="1262380" imgH="361950" progId="Equation.Ribbit">
                   <p:embed/>
                 </p:oleObj>
               </mc:Choice>
@@ -20154,7 +20154,7 @@
           <a:graphicData uri="http://schemas.openxmlformats.org/presentationml/2006/ole">
             <mc:AlternateContent xmlns:mc="http://schemas.openxmlformats.org/markup-compatibility/2006">
               <mc:Choice xmlns:v="urn:schemas-microsoft-com:vml" Requires="v">
-                <p:oleObj spid="_x0000_s5140" name="Formula" r:id="rId7" imgW="377190" imgH="184150" progId="Equation.Ribbit">
+                <p:oleObj spid="_x0000_s5142" name="Formula" r:id="rId7" imgW="377190" imgH="184150" progId="Equation.Ribbit">
                   <p:embed/>
                 </p:oleObj>
               </mc:Choice>
@@ -23275,7 +23275,7 @@
           <a:graphicData uri="http://schemas.openxmlformats.org/presentationml/2006/ole">
             <mc:AlternateContent xmlns:mc="http://schemas.openxmlformats.org/markup-compatibility/2006">
               <mc:Choice xmlns:v="urn:schemas-microsoft-com:vml" Requires="v">
-                <p:oleObj spid="_x0000_s6165" name="Formula" r:id="rId4" imgW="2048760" imgH="395280" progId="Equation.Ribbit">
+                <p:oleObj spid="_x0000_s6167" name="Formula" r:id="rId4" imgW="2048760" imgH="395280" progId="Equation.Ribbit">
                   <p:embed/>
                 </p:oleObj>
               </mc:Choice>
@@ -24765,7 +24765,7 @@
           <a:graphicData uri="http://schemas.openxmlformats.org/presentationml/2006/ole">
             <mc:AlternateContent xmlns:mc="http://schemas.openxmlformats.org/markup-compatibility/2006">
               <mc:Choice xmlns:v="urn:schemas-microsoft-com:vml" Requires="v">
-                <p:oleObj spid="_x0000_s8227" name="Formula" r:id="rId4" imgW="2117090" imgH="463550" progId="Equation.Ribbit">
+                <p:oleObj spid="_x0000_s8231" name="Formula" r:id="rId4" imgW="2117090" imgH="463550" progId="Equation.Ribbit">
                   <p:embed/>
                 </p:oleObj>
               </mc:Choice>
@@ -24884,7 +24884,7 @@
           <a:graphicData uri="http://schemas.openxmlformats.org/presentationml/2006/ole">
             <mc:AlternateContent xmlns:mc="http://schemas.openxmlformats.org/markup-compatibility/2006">
               <mc:Choice xmlns:v="urn:schemas-microsoft-com:vml" Requires="v">
-                <p:oleObj spid="_x0000_s8228" name="Formula" r:id="rId6" imgW="2679700" imgH="330200" progId="Equation.Ribbit">
+                <p:oleObj spid="_x0000_s8232" name="Formula" r:id="rId6" imgW="2679700" imgH="330200" progId="Equation.Ribbit">
                   <p:embed/>
                 </p:oleObj>
               </mc:Choice>
@@ -42974,7 +42974,7 @@
           <a:graphicData uri="http://schemas.openxmlformats.org/presentationml/2006/ole">
             <mc:AlternateContent xmlns:mc="http://schemas.openxmlformats.org/markup-compatibility/2006">
               <mc:Choice xmlns:v="urn:schemas-microsoft-com:vml" Requires="v">
-                <p:oleObj spid="_x0000_s9240" name="Formula" r:id="rId5" imgW="103657" imgH="113912" progId="Equation.Ribbit">
+                <p:oleObj spid="_x0000_s9255" name="Formula" r:id="rId5" imgW="103657" imgH="113912" progId="Equation.Ribbit">
                   <p:embed/>
                 </p:oleObj>
               </mc:Choice>
@@ -43079,7 +43079,7 @@
           <a:graphicData uri="http://schemas.openxmlformats.org/presentationml/2006/ole">
             <mc:AlternateContent xmlns:mc="http://schemas.openxmlformats.org/markup-compatibility/2006">
               <mc:Choice xmlns:v="urn:schemas-microsoft-com:vml" Requires="v">
-                <p:oleObj spid="_x0000_s9241" name="Formula" r:id="rId9" imgW="103657" imgH="113912" progId="Equation.Ribbit">
+                <p:oleObj spid="_x0000_s9256" name="Formula" r:id="rId9" imgW="103657" imgH="113912" progId="Equation.Ribbit">
                   <p:embed/>
                 </p:oleObj>
               </mc:Choice>
@@ -43136,7 +43136,7 @@
           <a:graphicData uri="http://schemas.openxmlformats.org/presentationml/2006/ole">
             <mc:AlternateContent xmlns:mc="http://schemas.openxmlformats.org/markup-compatibility/2006">
               <mc:Choice xmlns:v="urn:schemas-microsoft-com:vml" Requires="v">
-                <p:oleObj spid="_x0000_s9242" name="Formula" r:id="rId11" imgW="55878" imgH="123360" progId="Equation.Ribbit">
+                <p:oleObj spid="_x0000_s9257" name="Formula" r:id="rId11" imgW="55878" imgH="123360" progId="Equation.Ribbit">
                   <p:embed/>
                 </p:oleObj>
               </mc:Choice>
@@ -43217,7 +43217,7 @@
           <a:graphicData uri="http://schemas.openxmlformats.org/presentationml/2006/ole">
             <mc:AlternateContent xmlns:mc="http://schemas.openxmlformats.org/markup-compatibility/2006">
               <mc:Choice xmlns:v="urn:schemas-microsoft-com:vml" Requires="v">
-                <p:oleObj spid="_x0000_s9243" name="Formula" r:id="rId14" imgW="1079763" imgH="273983" progId="Equation.Ribbit">
+                <p:oleObj spid="_x0000_s9258" name="Formula" r:id="rId14" imgW="1079763" imgH="273983" progId="Equation.Ribbit">
                   <p:embed/>
                 </p:oleObj>
               </mc:Choice>
@@ -43346,7 +43346,7 @@
           <a:graphicData uri="http://schemas.openxmlformats.org/presentationml/2006/ole">
             <mc:AlternateContent xmlns:mc="http://schemas.openxmlformats.org/markup-compatibility/2006">
               <mc:Choice xmlns:v="urn:schemas-microsoft-com:vml" Requires="v">
-                <p:oleObj spid="_x0000_s9244" name="Formula" r:id="rId19" imgW="586800" imgH="246600" progId="Equation.Ribbit">
+                <p:oleObj spid="_x0000_s9259" name="Formula" r:id="rId19" imgW="586800" imgH="246600" progId="Equation.Ribbit">
                   <p:embed/>
                 </p:oleObj>
               </mc:Choice>
